--- a/Recursión_Luis Bustos.pptx
+++ b/Recursión_Luis Bustos.pptx
@@ -7,9 +7,10 @@
   <p:sldIdLst>
     <p:sldId id="256" r:id="rId2"/>
     <p:sldId id="257" r:id="rId3"/>
-    <p:sldId id="258" r:id="rId4"/>
-    <p:sldId id="259" r:id="rId5"/>
-    <p:sldId id="260" r:id="rId6"/>
+    <p:sldId id="261" r:id="rId4"/>
+    <p:sldId id="258" r:id="rId5"/>
+    <p:sldId id="259" r:id="rId6"/>
+    <p:sldId id="260" r:id="rId7"/>
   </p:sldIdLst>
   <p:sldSz cx="12192000" cy="6858000"/>
   <p:notesSz cx="6858000" cy="9144000"/>
@@ -108,6 +109,11 @@
       </a:defRPr>
     </a:lvl9pPr>
   </p:defaultTextStyle>
+  <p:extLst>
+    <p:ext uri="{EFAFB233-063F-42B5-8137-9DF3F51BA10A}">
+      <p15:sldGuideLst xmlns:p15="http://schemas.microsoft.com/office/powerpoint/2012/main"/>
+    </p:ext>
+  </p:extLst>
 </p:presentation>
 </file>
 
@@ -5508,29 +5514,32 @@
           <a:bodyPr/>
           <a:lstStyle/>
           <a:p>
+            <a:pPr algn="just"/>
             <a:r>
               <a:rPr lang="es-VE" dirty="0" smtClean="0"/>
               <a:t>La recursividad es un proceso que está definido en función de sí mismo. En donde se involucran una o dos funciones que se llaman a sí mismas.</a:t>
             </a:r>
           </a:p>
           <a:p>
+            <a:pPr algn="just"/>
             <a:endParaRPr lang="es-VE" dirty="0"/>
           </a:p>
           <a:p>
+            <a:pPr algn="just"/>
             <a:r>
               <a:rPr lang="es-VE" dirty="0" smtClean="0"/>
               <a:t>Y que, para evitar la eterna repetición de la función, se usan dos propiedades:</a:t>
             </a:r>
           </a:p>
           <a:p>
-            <a:pPr lvl="1"/>
+            <a:pPr lvl="1" algn="just"/>
             <a:r>
               <a:rPr lang="es-VE" dirty="0" smtClean="0"/>
               <a:t>Paso Básico</a:t>
             </a:r>
           </a:p>
           <a:p>
-            <a:pPr lvl="1"/>
+            <a:pPr lvl="1" algn="just"/>
             <a:r>
               <a:rPr lang="es-VE" dirty="0" smtClean="0"/>
               <a:t>Paso de Recursión</a:t>
@@ -5594,6 +5603,103 @@
                   </a:outerShdw>
                 </a:effectLst>
               </a:rPr>
+              <a:t>Funcionamiento Recursividad</a:t>
+            </a:r>
+            <a:endParaRPr lang="es-US" dirty="0"/>
+          </a:p>
+        </p:txBody>
+      </p:sp>
+      <p:sp>
+        <p:nvSpPr>
+          <p:cNvPr id="3" name="Marcador de contenido 2"/>
+          <p:cNvSpPr>
+            <a:spLocks noGrp="1"/>
+          </p:cNvSpPr>
+          <p:nvPr>
+            <p:ph idx="1"/>
+          </p:nvPr>
+        </p:nvSpPr>
+        <p:spPr/>
+        <p:txBody>
+          <a:bodyPr/>
+          <a:lstStyle/>
+          <a:p>
+            <a:pPr algn="just"/>
+            <a:r>
+              <a:rPr lang="es-VE" dirty="0" smtClean="0"/>
+              <a:t>Una función recursiva lo que hace es emular un ciclo repetitivo, llamándose a sí misma una y otra vez hasta que se cumple una condición determinada por el programador, abriendo una instancia cada vez que se llama. </a:t>
+            </a:r>
+          </a:p>
+          <a:p>
+            <a:pPr algn="just"/>
+            <a:endParaRPr lang="es-VE" dirty="0"/>
+          </a:p>
+          <a:p>
+            <a:pPr algn="just"/>
+            <a:r>
+              <a:rPr lang="es-VE" dirty="0" smtClean="0"/>
+              <a:t>Es importante definir bien en qué rango se cumplirá la función recursiva, pues podría ejecutarse aún cuando por ejemplo la variable está fuera de rango.  Por lo tanto posee dos propiedades principales.</a:t>
+            </a:r>
+            <a:endParaRPr lang="es-VE" dirty="0" smtClean="0"/>
+          </a:p>
+        </p:txBody>
+      </p:sp>
+    </p:spTree>
+    <p:extLst>
+      <p:ext uri="{BB962C8B-B14F-4D97-AF65-F5344CB8AC3E}">
+        <p14:creationId xmlns:p14="http://schemas.microsoft.com/office/powerpoint/2010/main" val="652678446"/>
+      </p:ext>
+    </p:extLst>
+  </p:cSld>
+  <p:clrMapOvr>
+    <a:masterClrMapping/>
+  </p:clrMapOvr>
+</p:sld>
+</file>
+
+<file path=ppt/slides/slide4.xml><?xml version="1.0" encoding="utf-8"?>
+<p:sld xmlns:a="http://schemas.openxmlformats.org/drawingml/2006/main" xmlns:r="http://schemas.openxmlformats.org/officeDocument/2006/relationships" xmlns:p="http://schemas.openxmlformats.org/presentationml/2006/main">
+  <p:cSld>
+    <p:spTree>
+      <p:nvGrpSpPr>
+        <p:cNvPr id="1" name=""/>
+        <p:cNvGrpSpPr/>
+        <p:nvPr/>
+      </p:nvGrpSpPr>
+      <p:grpSpPr>
+        <a:xfrm>
+          <a:off x="0" y="0"/>
+          <a:ext cx="0" cy="0"/>
+          <a:chOff x="0" y="0"/>
+          <a:chExt cx="0" cy="0"/>
+        </a:xfrm>
+      </p:grpSpPr>
+      <p:sp>
+        <p:nvSpPr>
+          <p:cNvPr id="2" name="Título 1"/>
+          <p:cNvSpPr>
+            <a:spLocks noGrp="1"/>
+          </p:cNvSpPr>
+          <p:nvPr>
+            <p:ph type="title"/>
+          </p:nvPr>
+        </p:nvSpPr>
+        <p:spPr/>
+        <p:txBody>
+          <a:bodyPr/>
+          <a:lstStyle/>
+          <a:p>
+            <a:r>
+              <a:rPr lang="es-VE" cap="none" dirty="0" smtClean="0">
+                <a:ln w="0"/>
+                <a:effectLst>
+                  <a:outerShdw blurRad="38100" dist="19050" dir="2700000" algn="tl" rotWithShape="0">
+                    <a:schemeClr val="dk1">
+                      <a:alpha val="40000"/>
+                    </a:schemeClr>
+                  </a:outerShdw>
+                </a:effectLst>
+              </a:rPr>
               <a:t>Propiedades Recursividad</a:t>
             </a:r>
             <a:endParaRPr lang="es-US" dirty="0"/>
@@ -5622,6 +5728,7 @@
           </a:bodyPr>
           <a:lstStyle/>
           <a:p>
+            <a:pPr algn="just"/>
             <a:r>
               <a:rPr lang="es-VE" b="1" dirty="0" smtClean="0">
                 <a:solidFill>
@@ -5640,9 +5747,11 @@
             </a:r>
           </a:p>
           <a:p>
+            <a:pPr algn="just"/>
             <a:endParaRPr lang="es-VE" i="1" dirty="0"/>
           </a:p>
           <a:p>
+            <a:pPr algn="just"/>
             <a:r>
               <a:rPr lang="es-VE" b="1" dirty="0">
                 <a:solidFill>
@@ -5665,9 +5774,11 @@
             </a:r>
           </a:p>
           <a:p>
+            <a:pPr algn="just"/>
             <a:endParaRPr lang="es-VE" i="1" dirty="0"/>
           </a:p>
           <a:p>
+            <a:pPr algn="just"/>
             <a:r>
               <a:rPr lang="es-VE" dirty="0" smtClean="0"/>
               <a:t>Un problema que se resuelva usando datos que adoptan las características de estas propiedades, y requiera un proceso repetitivo es ideal para resolver con recursión.</a:t>
@@ -5689,7 +5800,7 @@
 </p:sld>
 </file>
 
-<file path=ppt/slides/slide4.xml><?xml version="1.0" encoding="utf-8"?>
+<file path=ppt/slides/slide5.xml><?xml version="1.0" encoding="utf-8"?>
 <p:sld xmlns:a="http://schemas.openxmlformats.org/drawingml/2006/main" xmlns:r="http://schemas.openxmlformats.org/officeDocument/2006/relationships" xmlns:p="http://schemas.openxmlformats.org/presentationml/2006/main">
   <p:cSld>
     <p:spTree>
@@ -6378,7 +6489,7 @@
 </p:sld>
 </file>
 
-<file path=ppt/slides/slide5.xml><?xml version="1.0" encoding="utf-8"?>
+<file path=ppt/slides/slide6.xml><?xml version="1.0" encoding="utf-8"?>
 <p:sld xmlns:a="http://schemas.openxmlformats.org/drawingml/2006/main" xmlns:r="http://schemas.openxmlformats.org/officeDocument/2006/relationships" xmlns:p="http://schemas.openxmlformats.org/presentationml/2006/main">
   <p:cSld>
     <p:spTree>

--- a/Recursión_Luis Bustos.pptx
+++ b/Recursión_Luis Bustos.pptx
@@ -5640,7 +5640,6 @@
               <a:rPr lang="es-VE" dirty="0" smtClean="0"/>
               <a:t>Es importante definir bien en qué rango se cumplirá la función recursiva, pues podría ejecutarse aún cuando por ejemplo la variable está fuera de rango.  Por lo tanto posee dos propiedades principales.</a:t>
             </a:r>
-            <a:endParaRPr lang="es-VE" dirty="0" smtClean="0"/>
           </a:p>
         </p:txBody>
       </p:sp>
@@ -5739,7 +5738,23 @@
             </a:r>
             <a:r>
               <a:rPr lang="es-US" dirty="0" smtClean="0"/>
-              <a:t> Es como el que determina el final de la ejecución evitando que el proceso se llame a sí mismo. A este criterio se le conoce como </a:t>
+              <a:t> Es </a:t>
+            </a:r>
+            <a:r>
+              <a:rPr lang="es-US" dirty="0" smtClean="0"/>
+              <a:t>el </a:t>
+            </a:r>
+            <a:r>
+              <a:rPr lang="es-US" dirty="0" smtClean="0"/>
+              <a:t>que determina el final de la ejecución evitando que el proceso se llame a sí </a:t>
+            </a:r>
+            <a:r>
+              <a:rPr lang="es-US" dirty="0" smtClean="0"/>
+              <a:t>mismo indefinidamente. </a:t>
+            </a:r>
+            <a:r>
+              <a:rPr lang="es-US" dirty="0" smtClean="0"/>
+              <a:t>A este criterio se le conoce como </a:t>
             </a:r>
             <a:r>
               <a:rPr lang="es-US" i="1" dirty="0" smtClean="0"/>
@@ -5770,7 +5785,23 @@
             </a:r>
             <a:r>
               <a:rPr lang="es-US" dirty="0" smtClean="0"/>
-              <a:t> Es criterio que cada vez que se ejecuta la función debe estar más cerca del criterio base.</a:t>
+              <a:t> </a:t>
+            </a:r>
+            <a:r>
+              <a:rPr lang="es-US" dirty="0" smtClean="0"/>
+              <a:t>Es un </a:t>
+            </a:r>
+            <a:r>
+              <a:rPr lang="es-US" dirty="0" smtClean="0"/>
+              <a:t>criterio que cada vez que se </a:t>
+            </a:r>
+            <a:r>
+              <a:rPr lang="es-US" dirty="0" smtClean="0"/>
+              <a:t>ejecuta, </a:t>
+            </a:r>
+            <a:r>
+              <a:rPr lang="es-US" dirty="0" smtClean="0"/>
+              <a:t>la función debe estar más cerca del criterio base.</a:t>
             </a:r>
           </a:p>
           <a:p>

--- a/Recursión_Luis Bustos.pptx
+++ b/Recursión_Luis Bustos.pptx
@@ -11,6 +11,7 @@
     <p:sldId id="258" r:id="rId5"/>
     <p:sldId id="259" r:id="rId6"/>
     <p:sldId id="260" r:id="rId7"/>
+    <p:sldId id="262" r:id="rId8"/>
   </p:sldIdLst>
   <p:sldSz cx="12192000" cy="6858000"/>
   <p:notesSz cx="6858000" cy="9144000"/>
@@ -309,7 +310,7 @@
             <a:fld id="{B61BEF0D-F0BB-DE4B-95CE-6DB70DBA9567}" type="datetimeFigureOut">
               <a:rPr lang="en-US" dirty="0"/>
               <a:pPr/>
-              <a:t>11/19/2022</a:t>
+              <a:t>12/3/2022</a:t>
             </a:fld>
             <a:endParaRPr lang="en-US" dirty="0"/>
           </a:p>
@@ -742,7 +743,7 @@
             <a:fld id="{B61BEF0D-F0BB-DE4B-95CE-6DB70DBA9567}" type="datetimeFigureOut">
               <a:rPr lang="en-US" dirty="0"/>
               <a:pPr/>
-              <a:t>11/19/2022</a:t>
+              <a:t>12/3/2022</a:t>
             </a:fld>
             <a:endParaRPr lang="en-US" dirty="0"/>
           </a:p>
@@ -989,7 +990,7 @@
             <a:fld id="{B61BEF0D-F0BB-DE4B-95CE-6DB70DBA9567}" type="datetimeFigureOut">
               <a:rPr lang="en-US" dirty="0"/>
               <a:pPr/>
-              <a:t>11/19/2022</a:t>
+              <a:t>12/3/2022</a:t>
             </a:fld>
             <a:endParaRPr lang="en-US" dirty="0"/>
           </a:p>
@@ -1294,7 +1295,7 @@
             <a:fld id="{B61BEF0D-F0BB-DE4B-95CE-6DB70DBA9567}" type="datetimeFigureOut">
               <a:rPr lang="en-US" dirty="0"/>
               <a:pPr/>
-              <a:t>11/19/2022</a:t>
+              <a:t>12/3/2022</a:t>
             </a:fld>
             <a:endParaRPr lang="en-US" dirty="0"/>
           </a:p>
@@ -1609,7 +1610,7 @@
             <a:fld id="{B61BEF0D-F0BB-DE4B-95CE-6DB70DBA9567}" type="datetimeFigureOut">
               <a:rPr lang="en-US" dirty="0"/>
               <a:pPr/>
-              <a:t>11/19/2022</a:t>
+              <a:t>12/3/2022</a:t>
             </a:fld>
             <a:endParaRPr lang="en-US" dirty="0"/>
           </a:p>
@@ -1908,7 +1909,7 @@
             <a:fld id="{B61BEF0D-F0BB-DE4B-95CE-6DB70DBA9567}" type="datetimeFigureOut">
               <a:rPr lang="en-US" dirty="0"/>
               <a:pPr/>
-              <a:t>11/19/2022</a:t>
+              <a:t>12/3/2022</a:t>
             </a:fld>
             <a:endParaRPr lang="en-US" dirty="0"/>
           </a:p>
@@ -2272,7 +2273,7 @@
             <a:fld id="{B61BEF0D-F0BB-DE4B-95CE-6DB70DBA9567}" type="datetimeFigureOut">
               <a:rPr lang="en-US" dirty="0"/>
               <a:pPr/>
-              <a:t>11/19/2022</a:t>
+              <a:t>12/3/2022</a:t>
             </a:fld>
             <a:endParaRPr lang="en-US" dirty="0"/>
           </a:p>
@@ -2443,7 +2444,7 @@
             <a:fld id="{B61BEF0D-F0BB-DE4B-95CE-6DB70DBA9567}" type="datetimeFigureOut">
               <a:rPr lang="en-US" dirty="0"/>
               <a:pPr/>
-              <a:t>11/19/2022</a:t>
+              <a:t>12/3/2022</a:t>
             </a:fld>
             <a:endParaRPr lang="en-US" dirty="0"/>
           </a:p>
@@ -2620,7 +2621,7 @@
             <a:fld id="{B61BEF0D-F0BB-DE4B-95CE-6DB70DBA9567}" type="datetimeFigureOut">
               <a:rPr lang="en-US" dirty="0"/>
               <a:pPr/>
-              <a:t>11/19/2022</a:t>
+              <a:t>12/3/2022</a:t>
             </a:fld>
             <a:endParaRPr lang="en-US" dirty="0"/>
           </a:p>
@@ -2787,7 +2788,7 @@
             <a:fld id="{B61BEF0D-F0BB-DE4B-95CE-6DB70DBA9567}" type="datetimeFigureOut">
               <a:rPr lang="en-US" dirty="0"/>
               <a:pPr/>
-              <a:t>11/19/2022</a:t>
+              <a:t>12/3/2022</a:t>
             </a:fld>
             <a:endParaRPr lang="en-US" dirty="0"/>
           </a:p>
@@ -3034,7 +3035,7 @@
             <a:fld id="{B61BEF0D-F0BB-DE4B-95CE-6DB70DBA9567}" type="datetimeFigureOut">
               <a:rPr lang="en-US" dirty="0"/>
               <a:pPr/>
-              <a:t>11/19/2022</a:t>
+              <a:t>12/3/2022</a:t>
             </a:fld>
             <a:endParaRPr lang="en-US" dirty="0"/>
           </a:p>
@@ -3267,7 +3268,7 @@
             <a:fld id="{B61BEF0D-F0BB-DE4B-95CE-6DB70DBA9567}" type="datetimeFigureOut">
               <a:rPr lang="en-US" dirty="0"/>
               <a:pPr/>
-              <a:t>11/19/2022</a:t>
+              <a:t>12/3/2022</a:t>
             </a:fld>
             <a:endParaRPr lang="en-US" dirty="0"/>
           </a:p>
@@ -3646,7 +3647,7 @@
             <a:fld id="{B61BEF0D-F0BB-DE4B-95CE-6DB70DBA9567}" type="datetimeFigureOut">
               <a:rPr lang="en-US" dirty="0"/>
               <a:pPr/>
-              <a:t>11/19/2022</a:t>
+              <a:t>12/3/2022</a:t>
             </a:fld>
             <a:endParaRPr lang="en-US" dirty="0"/>
           </a:p>
@@ -3761,7 +3762,7 @@
             <a:fld id="{B61BEF0D-F0BB-DE4B-95CE-6DB70DBA9567}" type="datetimeFigureOut">
               <a:rPr lang="en-US" dirty="0"/>
               <a:pPr/>
-              <a:t>11/19/2022</a:t>
+              <a:t>12/3/2022</a:t>
             </a:fld>
             <a:endParaRPr lang="en-US" dirty="0"/>
           </a:p>
@@ -3853,7 +3854,7 @@
             <a:fld id="{B61BEF0D-F0BB-DE4B-95CE-6DB70DBA9567}" type="datetimeFigureOut">
               <a:rPr lang="en-US" dirty="0"/>
               <a:pPr/>
-              <a:t>11/19/2022</a:t>
+              <a:t>12/3/2022</a:t>
             </a:fld>
             <a:endParaRPr lang="en-US" dirty="0"/>
           </a:p>
@@ -4105,7 +4106,7 @@
             <a:fld id="{B61BEF0D-F0BB-DE4B-95CE-6DB70DBA9567}" type="datetimeFigureOut">
               <a:rPr lang="en-US" dirty="0"/>
               <a:pPr/>
-              <a:t>11/19/2022</a:t>
+              <a:t>12/3/2022</a:t>
             </a:fld>
             <a:endParaRPr lang="en-US" dirty="0"/>
           </a:p>
@@ -4385,7 +4386,7 @@
             <a:fld id="{B61BEF0D-F0BB-DE4B-95CE-6DB70DBA9567}" type="datetimeFigureOut">
               <a:rPr lang="en-US" dirty="0"/>
               <a:pPr/>
-              <a:t>11/19/2022</a:t>
+              <a:t>12/3/2022</a:t>
             </a:fld>
             <a:endParaRPr lang="en-US" dirty="0"/>
           </a:p>
@@ -4788,7 +4789,7 @@
             <a:fld id="{B61BEF0D-F0BB-DE4B-95CE-6DB70DBA9567}" type="datetimeFigureOut">
               <a:rPr lang="en-US" dirty="0"/>
               <a:pPr/>
-              <a:t>11/19/2022</a:t>
+              <a:t>12/3/2022</a:t>
             </a:fld>
             <a:endParaRPr lang="en-US" dirty="0"/>
           </a:p>
@@ -5557,6 +5558,13 @@
   <p:clrMapOvr>
     <a:masterClrMapping/>
   </p:clrMapOvr>
+  <p:timing>
+    <p:tnLst>
+      <p:par>
+        <p:cTn id="1" dur="indefinite" restart="never" nodeType="tmRoot"/>
+      </p:par>
+    </p:tnLst>
+  </p:timing>
 </p:sld>
 </file>
 
@@ -5627,7 +5635,15 @@
             <a:pPr algn="just"/>
             <a:r>
               <a:rPr lang="es-VE" dirty="0" smtClean="0"/>
-              <a:t>Una función recursiva lo que hace es emular un ciclo repetitivo, llamándose a sí misma una y otra vez hasta que se cumple una condición determinada por el programador, abriendo una instancia cada vez que se llama. </a:t>
+              <a:t>Una función recursiva lo que hace es emular un ciclo repetitivo, llamándose a sí misma una y otra vez hasta que se cumple una condición determinada por el programador, abriendo una </a:t>
+            </a:r>
+            <a:r>
+              <a:rPr lang="es-VE" b="1" dirty="0" smtClean="0"/>
+              <a:t>instancia</a:t>
+            </a:r>
+            <a:r>
+              <a:rPr lang="es-VE" dirty="0" smtClean="0"/>
+              <a:t> cada vez que se llama.</a:t>
             </a:r>
           </a:p>
           <a:p>
@@ -5638,8 +5654,566 @@
             <a:pPr algn="just"/>
             <a:r>
               <a:rPr lang="es-VE" dirty="0" smtClean="0"/>
-              <a:t>Es importante definir bien en qué rango se cumplirá la función recursiva, pues podría ejecutarse aún cuando por ejemplo la variable está fuera de rango.  Por lo tanto posee dos propiedades principales.</a:t>
-            </a:r>
+              <a:t>Es importante definir bien en qué rango se cumplirá la función recursiva, pues podría ejecutarse aún cuando por ejemplo la variable está fuera de rango. Por lo tanto posee dos propiedades principales.</a:t>
+            </a:r>
+          </a:p>
+        </p:txBody>
+      </p:sp>
+      <p:cxnSp>
+        <p:nvCxnSpPr>
+          <p:cNvPr id="9" name="Conector recto 8"/>
+          <p:cNvCxnSpPr>
+            <a:stCxn id="4" idx="2"/>
+          </p:cNvCxnSpPr>
+          <p:nvPr/>
+        </p:nvCxnSpPr>
+        <p:spPr>
+          <a:xfrm>
+            <a:off x="9400326" y="685800"/>
+            <a:ext cx="0" cy="592541"/>
+          </a:xfrm>
+          <a:prstGeom prst="line">
+            <a:avLst/>
+          </a:prstGeom>
+        </p:spPr>
+        <p:style>
+          <a:lnRef idx="3">
+            <a:schemeClr val="accent1"/>
+          </a:lnRef>
+          <a:fillRef idx="0">
+            <a:schemeClr val="accent1"/>
+          </a:fillRef>
+          <a:effectRef idx="2">
+            <a:schemeClr val="accent1"/>
+          </a:effectRef>
+          <a:fontRef idx="minor">
+            <a:schemeClr val="tx1"/>
+          </a:fontRef>
+        </p:style>
+      </p:cxnSp>
+      <p:cxnSp>
+        <p:nvCxnSpPr>
+          <p:cNvPr id="12" name="Conector recto de flecha 11"/>
+          <p:cNvCxnSpPr>
+            <a:endCxn id="6" idx="1"/>
+          </p:cNvCxnSpPr>
+          <p:nvPr/>
+        </p:nvCxnSpPr>
+        <p:spPr>
+          <a:xfrm>
+            <a:off x="9407529" y="1278341"/>
+            <a:ext cx="738880" cy="0"/>
+          </a:xfrm>
+          <a:prstGeom prst="straightConnector1">
+            <a:avLst/>
+          </a:prstGeom>
+          <a:ln>
+            <a:tailEnd type="triangle"/>
+          </a:ln>
+        </p:spPr>
+        <p:style>
+          <a:lnRef idx="3">
+            <a:schemeClr val="accent1"/>
+          </a:lnRef>
+          <a:fillRef idx="0">
+            <a:schemeClr val="accent1"/>
+          </a:fillRef>
+          <a:effectRef idx="2">
+            <a:schemeClr val="accent1"/>
+          </a:effectRef>
+          <a:fontRef idx="minor">
+            <a:schemeClr val="tx1"/>
+          </a:fontRef>
+        </p:style>
+      </p:cxnSp>
+      <p:cxnSp>
+        <p:nvCxnSpPr>
+          <p:cNvPr id="16" name="Conector recto 15"/>
+          <p:cNvCxnSpPr/>
+          <p:nvPr/>
+        </p:nvCxnSpPr>
+        <p:spPr>
+          <a:xfrm>
+            <a:off x="10547688" y="1410838"/>
+            <a:ext cx="0" cy="629503"/>
+          </a:xfrm>
+          <a:prstGeom prst="line">
+            <a:avLst/>
+          </a:prstGeom>
+        </p:spPr>
+        <p:style>
+          <a:lnRef idx="3">
+            <a:schemeClr val="accent1"/>
+          </a:lnRef>
+          <a:fillRef idx="0">
+            <a:schemeClr val="accent1"/>
+          </a:fillRef>
+          <a:effectRef idx="2">
+            <a:schemeClr val="accent1"/>
+          </a:effectRef>
+          <a:fontRef idx="minor">
+            <a:schemeClr val="tx1"/>
+          </a:fontRef>
+        </p:style>
+      </p:cxnSp>
+      <p:cxnSp>
+        <p:nvCxnSpPr>
+          <p:cNvPr id="17" name="Conector recto de flecha 16"/>
+          <p:cNvCxnSpPr/>
+          <p:nvPr/>
+        </p:nvCxnSpPr>
+        <p:spPr>
+          <a:xfrm>
+            <a:off x="10554891" y="2040341"/>
+            <a:ext cx="738880" cy="0"/>
+          </a:xfrm>
+          <a:prstGeom prst="straightConnector1">
+            <a:avLst/>
+          </a:prstGeom>
+          <a:ln>
+            <a:tailEnd type="triangle"/>
+          </a:ln>
+        </p:spPr>
+        <p:style>
+          <a:lnRef idx="3">
+            <a:schemeClr val="accent1"/>
+          </a:lnRef>
+          <a:fillRef idx="0">
+            <a:schemeClr val="accent1"/>
+          </a:fillRef>
+          <a:effectRef idx="2">
+            <a:schemeClr val="accent1"/>
+          </a:effectRef>
+          <a:fontRef idx="minor">
+            <a:schemeClr val="tx1"/>
+          </a:fontRef>
+        </p:style>
+      </p:cxnSp>
+      <p:cxnSp>
+        <p:nvCxnSpPr>
+          <p:cNvPr id="23" name="Conector recto 22"/>
+          <p:cNvCxnSpPr>
+            <a:stCxn id="7" idx="0"/>
+          </p:cNvCxnSpPr>
+          <p:nvPr/>
+        </p:nvCxnSpPr>
+        <p:spPr>
+          <a:xfrm flipV="1">
+            <a:off x="11682985" y="1278341"/>
+            <a:ext cx="0" cy="589837"/>
+          </a:xfrm>
+          <a:prstGeom prst="line">
+            <a:avLst/>
+          </a:prstGeom>
+          <a:ln>
+            <a:solidFill>
+              <a:schemeClr val="bg2">
+                <a:lumMod val="75000"/>
+              </a:schemeClr>
+            </a:solidFill>
+            <a:prstDash val="sysDash"/>
+          </a:ln>
+        </p:spPr>
+        <p:style>
+          <a:lnRef idx="3">
+            <a:schemeClr val="accent3"/>
+          </a:lnRef>
+          <a:fillRef idx="0">
+            <a:schemeClr val="accent3"/>
+          </a:fillRef>
+          <a:effectRef idx="2">
+            <a:schemeClr val="accent3"/>
+          </a:effectRef>
+          <a:fontRef idx="minor">
+            <a:schemeClr val="tx1"/>
+          </a:fontRef>
+        </p:style>
+      </p:cxnSp>
+      <p:cxnSp>
+        <p:nvCxnSpPr>
+          <p:cNvPr id="41" name="Conector recto de flecha 40"/>
+          <p:cNvCxnSpPr>
+            <a:endCxn id="6" idx="3"/>
+          </p:cNvCxnSpPr>
+          <p:nvPr/>
+        </p:nvCxnSpPr>
+        <p:spPr>
+          <a:xfrm flipH="1">
+            <a:off x="10924331" y="1278341"/>
+            <a:ext cx="758654" cy="0"/>
+          </a:xfrm>
+          <a:prstGeom prst="straightConnector1">
+            <a:avLst/>
+          </a:prstGeom>
+          <a:ln>
+            <a:solidFill>
+              <a:schemeClr val="bg2">
+                <a:lumMod val="75000"/>
+              </a:schemeClr>
+            </a:solidFill>
+            <a:prstDash val="sysDash"/>
+            <a:tailEnd type="triangle"/>
+          </a:ln>
+        </p:spPr>
+        <p:style>
+          <a:lnRef idx="3">
+            <a:schemeClr val="accent1"/>
+          </a:lnRef>
+          <a:fillRef idx="0">
+            <a:schemeClr val="accent1"/>
+          </a:fillRef>
+          <a:effectRef idx="2">
+            <a:schemeClr val="accent1"/>
+          </a:effectRef>
+          <a:fontRef idx="minor">
+            <a:schemeClr val="tx1"/>
+          </a:fontRef>
+        </p:style>
+      </p:cxnSp>
+      <p:cxnSp>
+        <p:nvCxnSpPr>
+          <p:cNvPr id="42" name="Conector recto 41"/>
+          <p:cNvCxnSpPr/>
+          <p:nvPr/>
+        </p:nvCxnSpPr>
+        <p:spPr>
+          <a:xfrm flipV="1">
+            <a:off x="10547688" y="515203"/>
+            <a:ext cx="0" cy="589837"/>
+          </a:xfrm>
+          <a:prstGeom prst="line">
+            <a:avLst/>
+          </a:prstGeom>
+          <a:ln>
+            <a:solidFill>
+              <a:schemeClr val="bg2">
+                <a:lumMod val="75000"/>
+              </a:schemeClr>
+            </a:solidFill>
+            <a:prstDash val="sysDash"/>
+          </a:ln>
+        </p:spPr>
+        <p:style>
+          <a:lnRef idx="3">
+            <a:schemeClr val="accent3"/>
+          </a:lnRef>
+          <a:fillRef idx="0">
+            <a:schemeClr val="accent3"/>
+          </a:fillRef>
+          <a:effectRef idx="2">
+            <a:schemeClr val="accent3"/>
+          </a:effectRef>
+          <a:fontRef idx="minor">
+            <a:schemeClr val="tx1"/>
+          </a:fontRef>
+        </p:style>
+      </p:cxnSp>
+      <p:cxnSp>
+        <p:nvCxnSpPr>
+          <p:cNvPr id="43" name="Conector recto de flecha 42"/>
+          <p:cNvCxnSpPr/>
+          <p:nvPr/>
+        </p:nvCxnSpPr>
+        <p:spPr>
+          <a:xfrm flipH="1">
+            <a:off x="9789034" y="515203"/>
+            <a:ext cx="758654" cy="0"/>
+          </a:xfrm>
+          <a:prstGeom prst="straightConnector1">
+            <a:avLst/>
+          </a:prstGeom>
+          <a:ln>
+            <a:solidFill>
+              <a:schemeClr val="bg2">
+                <a:lumMod val="75000"/>
+              </a:schemeClr>
+            </a:solidFill>
+            <a:prstDash val="sysDash"/>
+            <a:tailEnd type="triangle"/>
+          </a:ln>
+        </p:spPr>
+        <p:style>
+          <a:lnRef idx="3">
+            <a:schemeClr val="accent1"/>
+          </a:lnRef>
+          <a:fillRef idx="0">
+            <a:schemeClr val="accent1"/>
+          </a:fillRef>
+          <a:effectRef idx="2">
+            <a:schemeClr val="accent1"/>
+          </a:effectRef>
+          <a:fontRef idx="minor">
+            <a:schemeClr val="tx1"/>
+          </a:fontRef>
+        </p:style>
+      </p:cxnSp>
+      <p:sp>
+        <p:nvSpPr>
+          <p:cNvPr id="44" name="CuadroTexto 43"/>
+          <p:cNvSpPr txBox="1"/>
+          <p:nvPr/>
+        </p:nvSpPr>
+        <p:spPr>
+          <a:xfrm>
+            <a:off x="9415459" y="929682"/>
+            <a:ext cx="907901" cy="338554"/>
+          </a:xfrm>
+          <a:prstGeom prst="rect">
+            <a:avLst/>
+          </a:prstGeom>
+          <a:noFill/>
+        </p:spPr>
+        <p:txBody>
+          <a:bodyPr wrap="square" rtlCol="0">
+            <a:spAutoFit/>
+          </a:bodyPr>
+          <a:lstStyle/>
+          <a:p>
+            <a:r>
+              <a:rPr lang="es-VE" sz="1600" dirty="0">
+                <a:latin typeface="Caveat" panose="00000500000000000000" pitchFamily="2" charset="0"/>
+              </a:rPr>
+              <a:t>f</a:t>
+            </a:r>
+            <a:r>
+              <a:rPr lang="es-VE" sz="1600" dirty="0" smtClean="0">
+                <a:latin typeface="Caveat" panose="00000500000000000000" pitchFamily="2" charset="0"/>
+              </a:rPr>
+              <a:t>(x)</a:t>
+            </a:r>
+            <a:endParaRPr lang="es-US" sz="1600" dirty="0">
+              <a:latin typeface="Caveat" panose="00000500000000000000" pitchFamily="2" charset="0"/>
+            </a:endParaRPr>
+          </a:p>
+        </p:txBody>
+      </p:sp>
+      <p:sp>
+        <p:nvSpPr>
+          <p:cNvPr id="45" name="CuadroTexto 44"/>
+          <p:cNvSpPr txBox="1"/>
+          <p:nvPr/>
+        </p:nvSpPr>
+        <p:spPr>
+          <a:xfrm>
+            <a:off x="10558464" y="1677404"/>
+            <a:ext cx="907901" cy="338554"/>
+          </a:xfrm>
+          <a:prstGeom prst="rect">
+            <a:avLst/>
+          </a:prstGeom>
+          <a:noFill/>
+        </p:spPr>
+        <p:txBody>
+          <a:bodyPr wrap="square" rtlCol="0">
+            <a:spAutoFit/>
+          </a:bodyPr>
+          <a:lstStyle/>
+          <a:p>
+            <a:r>
+              <a:rPr lang="es-VE" sz="1600" dirty="0">
+                <a:latin typeface="Caveat" panose="00000500000000000000" pitchFamily="2" charset="0"/>
+              </a:rPr>
+              <a:t>f</a:t>
+            </a:r>
+            <a:r>
+              <a:rPr lang="es-VE" sz="1600" dirty="0" smtClean="0">
+                <a:latin typeface="Caveat" panose="00000500000000000000" pitchFamily="2" charset="0"/>
+              </a:rPr>
+              <a:t>(x)</a:t>
+            </a:r>
+            <a:endParaRPr lang="es-US" sz="1600" dirty="0">
+              <a:latin typeface="Caveat" panose="00000500000000000000" pitchFamily="2" charset="0"/>
+            </a:endParaRPr>
+          </a:p>
+        </p:txBody>
+      </p:sp>
+      <p:sp>
+        <p:nvSpPr>
+          <p:cNvPr id="48" name="CuadroTexto 47"/>
+          <p:cNvSpPr txBox="1"/>
+          <p:nvPr/>
+        </p:nvSpPr>
+        <p:spPr>
+          <a:xfrm>
+            <a:off x="9646990" y="158082"/>
+            <a:ext cx="907901" cy="338554"/>
+          </a:xfrm>
+          <a:prstGeom prst="rect">
+            <a:avLst/>
+          </a:prstGeom>
+          <a:noFill/>
+        </p:spPr>
+        <p:txBody>
+          <a:bodyPr wrap="square" rtlCol="0">
+            <a:spAutoFit/>
+          </a:bodyPr>
+          <a:lstStyle/>
+          <a:p>
+            <a:pPr algn="r"/>
+            <a:r>
+              <a:rPr lang="es-VE" sz="1600" dirty="0" err="1" smtClean="0">
+                <a:latin typeface="Caveat" panose="00000500000000000000" pitchFamily="2" charset="0"/>
+              </a:rPr>
+              <a:t>return</a:t>
+            </a:r>
+            <a:endParaRPr lang="es-US" sz="1600" dirty="0">
+              <a:latin typeface="Caveat" panose="00000500000000000000" pitchFamily="2" charset="0"/>
+            </a:endParaRPr>
+          </a:p>
+        </p:txBody>
+      </p:sp>
+      <p:sp>
+        <p:nvSpPr>
+          <p:cNvPr id="49" name="CuadroTexto 48"/>
+          <p:cNvSpPr txBox="1"/>
+          <p:nvPr/>
+        </p:nvSpPr>
+        <p:spPr>
+          <a:xfrm>
+            <a:off x="10777290" y="920082"/>
+            <a:ext cx="907901" cy="338554"/>
+          </a:xfrm>
+          <a:prstGeom prst="rect">
+            <a:avLst/>
+          </a:prstGeom>
+          <a:noFill/>
+        </p:spPr>
+        <p:txBody>
+          <a:bodyPr wrap="square" rtlCol="0">
+            <a:spAutoFit/>
+          </a:bodyPr>
+          <a:lstStyle/>
+          <a:p>
+            <a:pPr algn="r"/>
+            <a:r>
+              <a:rPr lang="es-VE" sz="1600" dirty="0" err="1" smtClean="0">
+                <a:latin typeface="Caveat" panose="00000500000000000000" pitchFamily="2" charset="0"/>
+              </a:rPr>
+              <a:t>return</a:t>
+            </a:r>
+            <a:endParaRPr lang="es-US" sz="1600" dirty="0">
+              <a:latin typeface="Caveat" panose="00000500000000000000" pitchFamily="2" charset="0"/>
+            </a:endParaRPr>
+          </a:p>
+        </p:txBody>
+      </p:sp>
+      <p:sp>
+        <p:nvSpPr>
+          <p:cNvPr id="4" name="Rectángulo 3"/>
+          <p:cNvSpPr/>
+          <p:nvPr/>
+        </p:nvSpPr>
+        <p:spPr>
+          <a:xfrm>
+            <a:off x="9011365" y="344606"/>
+            <a:ext cx="777922" cy="341194"/>
+          </a:xfrm>
+          <a:prstGeom prst="rect">
+            <a:avLst/>
+          </a:prstGeom>
+        </p:spPr>
+        <p:style>
+          <a:lnRef idx="2">
+            <a:schemeClr val="accent1">
+              <a:shade val="50000"/>
+            </a:schemeClr>
+          </a:lnRef>
+          <a:fillRef idx="1">
+            <a:schemeClr val="accent1"/>
+          </a:fillRef>
+          <a:effectRef idx="0">
+            <a:schemeClr val="accent1"/>
+          </a:effectRef>
+          <a:fontRef idx="minor">
+            <a:schemeClr val="lt1"/>
+          </a:fontRef>
+        </p:style>
+        <p:txBody>
+          <a:bodyPr rtlCol="0" anchor="ctr"/>
+          <a:lstStyle/>
+          <a:p>
+            <a:pPr algn="ctr"/>
+            <a:endParaRPr lang="es-US"/>
+          </a:p>
+        </p:txBody>
+      </p:sp>
+      <p:sp>
+        <p:nvSpPr>
+          <p:cNvPr id="6" name="Rectángulo 5"/>
+          <p:cNvSpPr/>
+          <p:nvPr/>
+        </p:nvSpPr>
+        <p:spPr>
+          <a:xfrm>
+            <a:off x="10146409" y="1107744"/>
+            <a:ext cx="777922" cy="341194"/>
+          </a:xfrm>
+          <a:prstGeom prst="rect">
+            <a:avLst/>
+          </a:prstGeom>
+        </p:spPr>
+        <p:style>
+          <a:lnRef idx="2">
+            <a:schemeClr val="accent1">
+              <a:shade val="50000"/>
+            </a:schemeClr>
+          </a:lnRef>
+          <a:fillRef idx="1">
+            <a:schemeClr val="accent1"/>
+          </a:fillRef>
+          <a:effectRef idx="0">
+            <a:schemeClr val="accent1"/>
+          </a:effectRef>
+          <a:fontRef idx="minor">
+            <a:schemeClr val="lt1"/>
+          </a:fontRef>
+        </p:style>
+        <p:txBody>
+          <a:bodyPr rtlCol="0" anchor="ctr"/>
+          <a:lstStyle/>
+          <a:p>
+            <a:pPr algn="ctr"/>
+            <a:endParaRPr lang="es-US"/>
+          </a:p>
+        </p:txBody>
+      </p:sp>
+      <p:sp>
+        <p:nvSpPr>
+          <p:cNvPr id="7" name="Rectángulo 6"/>
+          <p:cNvSpPr/>
+          <p:nvPr/>
+        </p:nvSpPr>
+        <p:spPr>
+          <a:xfrm>
+            <a:off x="11294024" y="1868178"/>
+            <a:ext cx="777922" cy="341194"/>
+          </a:xfrm>
+          <a:prstGeom prst="rect">
+            <a:avLst/>
+          </a:prstGeom>
+        </p:spPr>
+        <p:style>
+          <a:lnRef idx="2">
+            <a:schemeClr val="accent1">
+              <a:shade val="50000"/>
+            </a:schemeClr>
+          </a:lnRef>
+          <a:fillRef idx="1">
+            <a:schemeClr val="accent1"/>
+          </a:fillRef>
+          <a:effectRef idx="0">
+            <a:schemeClr val="accent1"/>
+          </a:effectRef>
+          <a:fontRef idx="minor">
+            <a:schemeClr val="lt1"/>
+          </a:fontRef>
+        </p:style>
+        <p:txBody>
+          <a:bodyPr rtlCol="0" anchor="ctr"/>
+          <a:lstStyle/>
+          <a:p>
+            <a:pPr algn="ctr"/>
+            <a:endParaRPr lang="es-US"/>
           </a:p>
         </p:txBody>
       </p:sp>
@@ -5653,6 +6227,13 @@
   <p:clrMapOvr>
     <a:masterClrMapping/>
   </p:clrMapOvr>
+  <p:timing>
+    <p:tnLst>
+      <p:par>
+        <p:cTn id="1" dur="indefinite" restart="never" nodeType="tmRoot"/>
+      </p:par>
+    </p:tnLst>
+  </p:timing>
 </p:sld>
 </file>
 
@@ -5738,23 +6319,7 @@
             </a:r>
             <a:r>
               <a:rPr lang="es-US" dirty="0" smtClean="0"/>
-              <a:t> Es </a:t>
-            </a:r>
-            <a:r>
-              <a:rPr lang="es-US" dirty="0" smtClean="0"/>
-              <a:t>el </a:t>
-            </a:r>
-            <a:r>
-              <a:rPr lang="es-US" dirty="0" smtClean="0"/>
-              <a:t>que determina el final de la ejecución evitando que el proceso se llame a sí </a:t>
-            </a:r>
-            <a:r>
-              <a:rPr lang="es-US" dirty="0" smtClean="0"/>
-              <a:t>mismo indefinidamente. </a:t>
-            </a:r>
-            <a:r>
-              <a:rPr lang="es-US" dirty="0" smtClean="0"/>
-              <a:t>A este criterio se le conoce como </a:t>
+              <a:t> Es el que determina el final de la ejecución evitando que el proceso se llame a sí mismo indefinidamente. A este criterio se le conoce como </a:t>
             </a:r>
             <a:r>
               <a:rPr lang="es-US" i="1" dirty="0" smtClean="0"/>
@@ -5785,23 +6350,7 @@
             </a:r>
             <a:r>
               <a:rPr lang="es-US" dirty="0" smtClean="0"/>
-              <a:t> </a:t>
-            </a:r>
-            <a:r>
-              <a:rPr lang="es-US" dirty="0" smtClean="0"/>
-              <a:t>Es un </a:t>
-            </a:r>
-            <a:r>
-              <a:rPr lang="es-US" dirty="0" smtClean="0"/>
-              <a:t>criterio que cada vez que se </a:t>
-            </a:r>
-            <a:r>
-              <a:rPr lang="es-US" dirty="0" smtClean="0"/>
-              <a:t>ejecuta, </a:t>
-            </a:r>
-            <a:r>
-              <a:rPr lang="es-US" dirty="0" smtClean="0"/>
-              <a:t>la función debe estar más cerca del criterio base.</a:t>
+              <a:t> Es un criterio que cada vez que se ejecuta, la función debe estar más cerca del criterio base.</a:t>
             </a:r>
           </a:p>
           <a:p>
@@ -5828,6 +6377,13 @@
   <p:clrMapOvr>
     <a:masterClrMapping/>
   </p:clrMapOvr>
+  <p:timing>
+    <p:tnLst>
+      <p:par>
+        <p:cTn id="1" dur="indefinite" restart="never" nodeType="tmRoot"/>
+      </p:par>
+    </p:tnLst>
+  </p:timing>
 </p:sld>
 </file>
 
@@ -6500,6 +7056,45 @@
           </a:p>
         </p:txBody>
       </p:sp>
+      <p:pic>
+        <p:nvPicPr>
+          <p:cNvPr id="1030" name="Picture 6" descr="icono de llamada telefónica 4956037 Vector en Vecteezy"/>
+          <p:cNvPicPr>
+            <a:picLocks noChangeAspect="1" noChangeArrowheads="1"/>
+          </p:cNvPicPr>
+          <p:nvPr/>
+        </p:nvPicPr>
+        <p:blipFill rotWithShape="1">
+          <a:blip r:embed="rId2">
+            <a:extLst>
+              <a:ext uri="{28A0092B-C50C-407E-A947-70E740481C1C}">
+                <a14:useLocalDpi xmlns:a14="http://schemas.microsoft.com/office/drawing/2010/main" val="0"/>
+              </a:ext>
+            </a:extLst>
+          </a:blip>
+          <a:srcRect/>
+          <a:stretch/>
+        </p:blipFill>
+        <p:spPr bwMode="auto">
+          <a:xfrm>
+            <a:off x="2980572" y="4293999"/>
+            <a:ext cx="439674" cy="439674"/>
+          </a:xfrm>
+          <a:prstGeom prst="ellipse">
+            <a:avLst/>
+          </a:prstGeom>
+          <a:noFill/>
+          <a:extLst>
+            <a:ext uri="{909E8E84-426E-40DD-AFC4-6F175D3DCCD1}">
+              <a14:hiddenFill xmlns:a14="http://schemas.microsoft.com/office/drawing/2010/main">
+                <a:solidFill>
+                  <a:srgbClr val="FFFFFF"/>
+                </a:solidFill>
+              </a14:hiddenFill>
+            </a:ext>
+          </a:extLst>
+        </p:spPr>
+      </p:pic>
     </p:spTree>
     <p:extLst>
       <p:ext uri="{BB962C8B-B14F-4D97-AF65-F5344CB8AC3E}">
@@ -6547,7 +7142,12 @@
             <p:ph type="title"/>
           </p:nvPr>
         </p:nvSpPr>
-        <p:spPr/>
+        <p:spPr>
+          <a:xfrm>
+            <a:off x="684212" y="5183374"/>
+            <a:ext cx="8534400" cy="1507067"/>
+          </a:xfrm>
+        </p:spPr>
         <p:txBody>
           <a:bodyPr/>
           <a:lstStyle/>
@@ -6569,52 +7169,6 @@
           </a:p>
         </p:txBody>
       </p:sp>
-      <p:pic>
-        <p:nvPicPr>
-          <p:cNvPr id="6" name="Imagen 5"/>
-          <p:cNvPicPr>
-            <a:picLocks noChangeAspect="1"/>
-          </p:cNvPicPr>
-          <p:nvPr/>
-        </p:nvPicPr>
-        <p:blipFill rotWithShape="1">
-          <a:blip r:embed="rId2"/>
-          <a:srcRect r="26206"/>
-          <a:stretch/>
-        </p:blipFill>
-        <p:spPr>
-          <a:xfrm>
-            <a:off x="431895" y="293852"/>
-            <a:ext cx="4701033" cy="4193479"/>
-          </a:xfrm>
-          <a:prstGeom prst="rect">
-            <a:avLst/>
-          </a:prstGeom>
-        </p:spPr>
-      </p:pic>
-      <p:pic>
-        <p:nvPicPr>
-          <p:cNvPr id="7" name="Imagen 6"/>
-          <p:cNvPicPr>
-            <a:picLocks noChangeAspect="1"/>
-          </p:cNvPicPr>
-          <p:nvPr/>
-        </p:nvPicPr>
-        <p:blipFill rotWithShape="1">
-          <a:blip r:embed="rId3"/>
-          <a:srcRect t="6250" r="50273" b="42448"/>
-          <a:stretch/>
-        </p:blipFill>
-        <p:spPr>
-          <a:xfrm>
-            <a:off x="6157783" y="936104"/>
-            <a:ext cx="5625880" cy="3035394"/>
-          </a:xfrm>
-          <a:prstGeom prst="rect">
-            <a:avLst/>
-          </a:prstGeom>
-        </p:spPr>
-      </p:pic>
       <p:sp>
         <p:nvSpPr>
           <p:cNvPr id="8" name="Flecha derecha 7"/>
@@ -6623,7 +7177,7 @@
         </p:nvSpPr>
         <p:spPr>
           <a:xfrm>
-            <a:off x="5301588" y="2115403"/>
+            <a:off x="5915737" y="2151560"/>
             <a:ext cx="666750" cy="481747"/>
           </a:xfrm>
           <a:prstGeom prst="rightArrow">
@@ -6655,10 +7209,212 @@
           </a:p>
         </p:txBody>
       </p:sp>
+      <p:pic>
+        <p:nvPicPr>
+          <p:cNvPr id="3" name="Imagen 2"/>
+          <p:cNvPicPr>
+            <a:picLocks noChangeAspect="1"/>
+          </p:cNvPicPr>
+          <p:nvPr/>
+        </p:nvPicPr>
+        <p:blipFill>
+          <a:blip r:embed="rId2"/>
+          <a:stretch>
+            <a:fillRect/>
+          </a:stretch>
+        </p:blipFill>
+        <p:spPr>
+          <a:xfrm>
+            <a:off x="279638" y="168275"/>
+            <a:ext cx="5505450" cy="4857750"/>
+          </a:xfrm>
+          <a:prstGeom prst="rect">
+            <a:avLst/>
+          </a:prstGeom>
+        </p:spPr>
+      </p:pic>
+      <p:pic>
+        <p:nvPicPr>
+          <p:cNvPr id="4" name="Imagen 3"/>
+          <p:cNvPicPr>
+            <a:picLocks noChangeAspect="1"/>
+          </p:cNvPicPr>
+          <p:nvPr/>
+        </p:nvPicPr>
+        <p:blipFill rotWithShape="1">
+          <a:blip r:embed="rId3"/>
+          <a:srcRect t="5993" r="47463" b="-186"/>
+          <a:stretch/>
+        </p:blipFill>
+        <p:spPr>
+          <a:xfrm>
+            <a:off x="6863261" y="300358"/>
+            <a:ext cx="4899049" cy="4593583"/>
+          </a:xfrm>
+          <a:prstGeom prst="rect">
+            <a:avLst/>
+          </a:prstGeom>
+        </p:spPr>
+      </p:pic>
     </p:spTree>
     <p:extLst>
       <p:ext uri="{BB962C8B-B14F-4D97-AF65-F5344CB8AC3E}">
         <p14:creationId xmlns:p14="http://schemas.microsoft.com/office/powerpoint/2010/main" val="1341581110"/>
+      </p:ext>
+    </p:extLst>
+  </p:cSld>
+  <p:clrMapOvr>
+    <a:masterClrMapping/>
+  </p:clrMapOvr>
+  <p:timing>
+    <p:tnLst>
+      <p:par>
+        <p:cTn id="1" dur="indefinite" restart="never" nodeType="tmRoot"/>
+      </p:par>
+    </p:tnLst>
+  </p:timing>
+</p:sld>
+</file>
+
+<file path=ppt/slides/slide7.xml><?xml version="1.0" encoding="utf-8"?>
+<p:sld xmlns:a="http://schemas.openxmlformats.org/drawingml/2006/main" xmlns:r="http://schemas.openxmlformats.org/officeDocument/2006/relationships" xmlns:p="http://schemas.openxmlformats.org/presentationml/2006/main">
+  <p:cSld>
+    <p:spTree>
+      <p:nvGrpSpPr>
+        <p:cNvPr id="1" name=""/>
+        <p:cNvGrpSpPr/>
+        <p:nvPr/>
+      </p:nvGrpSpPr>
+      <p:grpSpPr>
+        <a:xfrm>
+          <a:off x="0" y="0"/>
+          <a:ext cx="0" cy="0"/>
+          <a:chOff x="0" y="0"/>
+          <a:chExt cx="0" cy="0"/>
+        </a:xfrm>
+      </p:grpSpPr>
+      <p:sp>
+        <p:nvSpPr>
+          <p:cNvPr id="2" name="Título 1"/>
+          <p:cNvSpPr>
+            <a:spLocks noGrp="1"/>
+          </p:cNvSpPr>
+          <p:nvPr>
+            <p:ph type="title"/>
+          </p:nvPr>
+        </p:nvSpPr>
+        <p:spPr>
+          <a:xfrm>
+            <a:off x="684211" y="5183374"/>
+            <a:ext cx="11134749" cy="1507067"/>
+          </a:xfrm>
+        </p:spPr>
+        <p:txBody>
+          <a:bodyPr/>
+          <a:lstStyle/>
+          <a:p>
+            <a:r>
+              <a:rPr lang="es-VE" cap="none" dirty="0" smtClean="0">
+                <a:ln w="0"/>
+                <a:effectLst>
+                  <a:outerShdw blurRad="38100" dist="19050" dir="2700000" algn="tl" rotWithShape="0">
+                    <a:schemeClr val="dk1">
+                      <a:alpha val="40000"/>
+                    </a:schemeClr>
+                  </a:outerShdw>
+                </a:effectLst>
+              </a:rPr>
+              <a:t>Comparación Recursividad con ciclo repetitivo</a:t>
+            </a:r>
+            <a:endParaRPr lang="es-US" dirty="0"/>
+          </a:p>
+        </p:txBody>
+      </p:sp>
+      <p:pic>
+        <p:nvPicPr>
+          <p:cNvPr id="3" name="Imagen 2"/>
+          <p:cNvPicPr>
+            <a:picLocks noChangeAspect="1"/>
+          </p:cNvPicPr>
+          <p:nvPr/>
+        </p:nvPicPr>
+        <p:blipFill>
+          <a:blip r:embed="rId2"/>
+          <a:stretch>
+            <a:fillRect/>
+          </a:stretch>
+        </p:blipFill>
+        <p:spPr>
+          <a:xfrm>
+            <a:off x="279641" y="168275"/>
+            <a:ext cx="5505450" cy="4857750"/>
+          </a:xfrm>
+          <a:prstGeom prst="rect">
+            <a:avLst/>
+          </a:prstGeom>
+        </p:spPr>
+      </p:pic>
+      <p:cxnSp>
+        <p:nvCxnSpPr>
+          <p:cNvPr id="6" name="Conector recto 5"/>
+          <p:cNvCxnSpPr/>
+          <p:nvPr/>
+        </p:nvCxnSpPr>
+        <p:spPr>
+          <a:xfrm>
+            <a:off x="6127846" y="168275"/>
+            <a:ext cx="13648" cy="5290829"/>
+          </a:xfrm>
+          <a:prstGeom prst="line">
+            <a:avLst/>
+          </a:prstGeom>
+          <a:ln w="57150">
+            <a:prstDash val="dash"/>
+          </a:ln>
+        </p:spPr>
+        <p:style>
+          <a:lnRef idx="3">
+            <a:schemeClr val="accent2"/>
+          </a:lnRef>
+          <a:fillRef idx="0">
+            <a:schemeClr val="accent2"/>
+          </a:fillRef>
+          <a:effectRef idx="2">
+            <a:schemeClr val="accent2"/>
+          </a:effectRef>
+          <a:fontRef idx="minor">
+            <a:schemeClr val="tx1"/>
+          </a:fontRef>
+        </p:style>
+      </p:cxnSp>
+      <p:pic>
+        <p:nvPicPr>
+          <p:cNvPr id="9" name="Imagen 8"/>
+          <p:cNvPicPr>
+            <a:picLocks noChangeAspect="1"/>
+          </p:cNvPicPr>
+          <p:nvPr/>
+        </p:nvPicPr>
+        <p:blipFill>
+          <a:blip r:embed="rId3"/>
+          <a:stretch>
+            <a:fillRect/>
+          </a:stretch>
+        </p:blipFill>
+        <p:spPr>
+          <a:xfrm>
+            <a:off x="6525193" y="273050"/>
+            <a:ext cx="5419725" cy="4648200"/>
+          </a:xfrm>
+          <a:prstGeom prst="rect">
+            <a:avLst/>
+          </a:prstGeom>
+        </p:spPr>
+      </p:pic>
+    </p:spTree>
+    <p:extLst>
+      <p:ext uri="{BB962C8B-B14F-4D97-AF65-F5344CB8AC3E}">
+        <p14:creationId xmlns:p14="http://schemas.microsoft.com/office/powerpoint/2010/main" val="2428983849"/>
       </p:ext>
     </p:extLst>
   </p:cSld>
